--- a/info/Diagrama de flujo.pptx
+++ b/info/Diagrama de flujo.pptx
@@ -4825,7 +4825,7 @@
                   </a:schemeClr>
                 </a:solidFill>
               </a:rPr>
-              <a:t>Suma uno</a:t>
+              <a:t>Suma uno en contador de intentos</a:t>
             </a:r>
           </a:p>
         </p:txBody>
